--- a/fall13/slidesF13/prepcheck.11-15.pptx
+++ b/fall13/slidesF13/prepcheck.11-15.pptx
@@ -328,25 +328,13 @@
               <a:rPr lang="en-US" sz="1100" baseline="0" dirty="0" smtClean="0">
                 <a:latin typeface="Comic Sans MS" pitchFamily="66" charset="0"/>
               </a:rPr>
-              <a:t>November </a:t>
-            </a:r>
-            <a:r>
-              <a:rPr lang="en-US" sz="1100" baseline="0" dirty="0" smtClean="0">
-                <a:latin typeface="Comic Sans MS" pitchFamily="66" charset="0"/>
-              </a:rPr>
-              <a:t>15,</a:t>
+              <a:t>November 15,</a:t>
             </a:r>
             <a:r>
               <a:rPr lang="en-US" sz="1100" dirty="0" smtClean="0">
                 <a:latin typeface="Comic Sans MS" pitchFamily="66" charset="0"/>
               </a:rPr>
-              <a:t> </a:t>
-            </a:r>
-            <a:r>
-              <a:rPr lang="en-US" sz="1100" dirty="0" smtClean="0">
-                <a:latin typeface="Comic Sans MS" pitchFamily="66" charset="0"/>
-              </a:rPr>
-              <a:t>2013</a:t>
+              <a:t> 2013</a:t>
             </a:r>
             <a:endParaRPr lang="en-US" sz="1100" dirty="0">
               <a:latin typeface="Comic Sans MS" pitchFamily="66" charset="0"/>
@@ -902,16 +890,7 @@
                 </a:solidFill>
                 <a:latin typeface="Comic Sans MS"/>
               </a:rPr>
-              <a:t>1. What </a:t>
-            </a:r>
-            <a:r>
-              <a:rPr lang="en-US" sz="4000" dirty="0" smtClean="0">
-                <a:solidFill>
-                  <a:srgbClr val="000000"/>
-                </a:solidFill>
-                <a:latin typeface="Comic Sans MS"/>
-              </a:rPr>
-              <a:t>is the coefficient of </a:t>
+              <a:t>1. What is the coefficient of </a:t>
             </a:r>
             <a:r>
               <a:rPr lang="en-US" sz="4000" dirty="0" err="1" smtClean="0">
@@ -951,16 +930,7 @@
                 </a:solidFill>
                 <a:latin typeface="Comic Sans MS"/>
               </a:rPr>
-              <a:t>in the </a:t>
-            </a:r>
-            <a:r>
-              <a:rPr lang="en-US" sz="4000" dirty="0" smtClean="0">
-                <a:solidFill>
-                  <a:srgbClr val="000000"/>
-                </a:solidFill>
-                <a:latin typeface="Comic Sans MS"/>
-              </a:rPr>
-              <a:t>gen </a:t>
+              <a:t>in the gen </a:t>
             </a:r>
             <a:r>
               <a:rPr lang="en-US" sz="4000" dirty="0" err="1" smtClean="0">
@@ -998,12 +968,6 @@
               </a:rPr>
               <a:t> ?</a:t>
             </a:r>
-            <a:endParaRPr lang="en-US" sz="4000" dirty="0" smtClean="0">
-              <a:solidFill>
-                <a:srgbClr val="000000"/>
-              </a:solidFill>
-              <a:latin typeface="Comic Sans MS"/>
-            </a:endParaRPr>
           </a:p>
           <a:p>
             <a:pPr>
@@ -1031,16 +995,7 @@
                 </a:solidFill>
                 <a:latin typeface="Comic Sans MS"/>
               </a:rPr>
-              <a:t>2</a:t>
-            </a:r>
-            <a:r>
-              <a:rPr lang="en-US" sz="4000" dirty="0" smtClean="0">
-                <a:solidFill>
-                  <a:srgbClr val="000000"/>
-                </a:solidFill>
-                <a:latin typeface="Comic Sans MS"/>
-              </a:rPr>
-              <a:t>. If </a:t>
+              <a:t>2. If </a:t>
             </a:r>
             <a:r>
               <a:rPr lang="en-US" sz="4000" dirty="0" smtClean="0">
@@ -1232,16 +1187,16 @@
                 </a:solidFill>
                 <a:latin typeface="Comic Sans MS"/>
               </a:rPr>
-              <a:t>)•</a:t>
-            </a:r>
-            <a:r>
-              <a:rPr lang="en-US" sz="4000" dirty="0">
+              <a:t>)</a:t>
+            </a:r>
+            <a:r>
+              <a:rPr lang="en-US" sz="4000" dirty="0" smtClean="0">
                 <a:solidFill>
                   <a:srgbClr val="0000FF"/>
                 </a:solidFill>
                 <a:latin typeface="Comic Sans MS"/>
               </a:rPr>
-              <a:t>G</a:t>
+              <a:t>•V(</a:t>
             </a:r>
             <a:r>
               <a:rPr lang="en-US" sz="4000" dirty="0" smtClean="0">
@@ -1250,7 +1205,7 @@
                 </a:solidFill>
                 <a:latin typeface="Comic Sans MS"/>
               </a:rPr>
-              <a:t>(x) </a:t>
+              <a:t>x) </a:t>
             </a:r>
             <a:r>
               <a:rPr lang="en-US" sz="4000" dirty="0" smtClean="0">
